--- a/docs/apresentacao/Projeto.pptx
+++ b/docs/apresentacao/Projeto.pptx
@@ -16,16 +16,17 @@
     <p:sldId id="261" r:id="rId11"/>
     <p:sldId id="262" r:id="rId12"/>
     <p:sldId id="263" r:id="rId13"/>
+    <p:sldId id="264" r:id="rId14"/>
   </p:sldIdLst>
   <p:sldSz cy="5143500" cx="9144000"/>
   <p:notesSz cx="6858000" cy="9144000"/>
   <p:embeddedFontLst>
     <p:embeddedFont>
       <p:font typeface="Nunito"/>
-      <p:regular r:id="rId14"/>
-      <p:bold r:id="rId15"/>
-      <p:italic r:id="rId16"/>
-      <p:boldItalic r:id="rId17"/>
+      <p:regular r:id="rId15"/>
+      <p:bold r:id="rId16"/>
+      <p:italic r:id="rId17"/>
+      <p:boldItalic r:id="rId18"/>
     </p:embeddedFont>
   </p:embeddedFontLst>
   <p:defaultTextStyle>
@@ -1103,7 +1104,7 @@
   <p:cSld>
     <p:spTree>
       <p:nvGrpSpPr>
-        <p:cNvPr id="160" name="Shape 160"/>
+        <p:cNvPr id="161" name="Shape 161"/>
         <p:cNvGrpSpPr/>
         <p:nvPr/>
       </p:nvGrpSpPr>
@@ -1117,7 +1118,7 @@
       </p:grpSpPr>
       <p:sp>
         <p:nvSpPr>
-          <p:cNvPr id="161" name="Google Shape;161;g139f4c8a17a_0_10:notes"/>
+          <p:cNvPr id="162" name="Google Shape;162;g139f4c8a17a_0_10:notes"/>
           <p:cNvSpPr/>
           <p:nvPr>
             <p:ph idx="2" type="sldImg"/>
@@ -1152,7 +1153,7 @@
       </p:sp>
       <p:sp>
         <p:nvSpPr>
-          <p:cNvPr id="162" name="Google Shape;162;g139f4c8a17a_0_10:notes"/>
+          <p:cNvPr id="163" name="Google Shape;163;g139f4c8a17a_0_10:notes"/>
           <p:cNvSpPr txBox="1"/>
           <p:nvPr>
             <p:ph idx="1" type="body"/>
@@ -1202,7 +1203,7 @@
   <p:cSld>
     <p:spTree>
       <p:nvGrpSpPr>
-        <p:cNvPr id="171" name="Shape 171"/>
+        <p:cNvPr id="172" name="Shape 172"/>
         <p:cNvGrpSpPr/>
         <p:nvPr/>
       </p:nvGrpSpPr>
@@ -1216,7 +1217,7 @@
       </p:grpSpPr>
       <p:sp>
         <p:nvSpPr>
-          <p:cNvPr id="172" name="Google Shape;172;g139f4c8a17a_0_15:notes"/>
+          <p:cNvPr id="173" name="Google Shape;173;g139f4c8a17a_0_15:notes"/>
           <p:cNvSpPr/>
           <p:nvPr>
             <p:ph idx="2" type="sldImg"/>
@@ -1251,7 +1252,7 @@
       </p:sp>
       <p:sp>
         <p:nvSpPr>
-          <p:cNvPr id="173" name="Google Shape;173;g139f4c8a17a_0_15:notes"/>
+          <p:cNvPr id="174" name="Google Shape;174;g139f4c8a17a_0_15:notes"/>
           <p:cNvSpPr txBox="1"/>
           <p:nvPr>
             <p:ph idx="1" type="body"/>
@@ -1301,7 +1302,7 @@
   <p:cSld>
     <p:spTree>
       <p:nvGrpSpPr>
-        <p:cNvPr id="182" name="Shape 182"/>
+        <p:cNvPr id="183" name="Shape 183"/>
         <p:cNvGrpSpPr/>
         <p:nvPr/>
       </p:nvGrpSpPr>
@@ -1315,7 +1316,7 @@
       </p:grpSpPr>
       <p:sp>
         <p:nvSpPr>
-          <p:cNvPr id="183" name="Google Shape;183;g139f4c8a17a_0_25:notes"/>
+          <p:cNvPr id="184" name="Google Shape;184;g139f4c8a17a_0_25:notes"/>
           <p:cNvSpPr/>
           <p:nvPr>
             <p:ph idx="2" type="sldImg"/>
@@ -1350,7 +1351,7 @@
       </p:sp>
       <p:sp>
         <p:nvSpPr>
-          <p:cNvPr id="184" name="Google Shape;184;g139f4c8a17a_0_25:notes"/>
+          <p:cNvPr id="185" name="Google Shape;185;g139f4c8a17a_0_25:notes"/>
           <p:cNvSpPr txBox="1"/>
           <p:nvPr>
             <p:ph idx="1" type="body"/>
@@ -1400,7 +1401,7 @@
   <p:cSld>
     <p:spTree>
       <p:nvGrpSpPr>
-        <p:cNvPr id="188" name="Shape 188"/>
+        <p:cNvPr id="190" name="Shape 190"/>
         <p:cNvGrpSpPr/>
         <p:nvPr/>
       </p:nvGrpSpPr>
@@ -1414,7 +1415,7 @@
       </p:grpSpPr>
       <p:sp>
         <p:nvSpPr>
-          <p:cNvPr id="189" name="Google Shape;189;g139f4c8a17a_0_30:notes"/>
+          <p:cNvPr id="191" name="Google Shape;191;g139f4c8a17a_0_30:notes"/>
           <p:cNvSpPr/>
           <p:nvPr>
             <p:ph idx="2" type="sldImg"/>
@@ -1449,7 +1450,106 @@
       </p:sp>
       <p:sp>
         <p:nvSpPr>
-          <p:cNvPr id="190" name="Google Shape;190;g139f4c8a17a_0_30:notes"/>
+          <p:cNvPr id="192" name="Google Shape;192;g139f4c8a17a_0_30:notes"/>
+          <p:cNvSpPr txBox="1"/>
+          <p:nvPr>
+            <p:ph idx="1" type="body"/>
+          </p:nvPr>
+        </p:nvSpPr>
+        <p:spPr>
+          <a:xfrm>
+            <a:off x="685800" y="4343400"/>
+            <a:ext cx="5486400" cy="4114800"/>
+          </a:xfrm>
+          <a:prstGeom prst="rect">
+            <a:avLst/>
+          </a:prstGeom>
+        </p:spPr>
+        <p:txBody>
+          <a:bodyPr anchorCtr="0" anchor="t" bIns="91425" lIns="91425" spcFirstLastPara="1" rIns="91425" wrap="square" tIns="91425">
+            <a:noAutofit/>
+          </a:bodyPr>
+          <a:lstStyle/>
+          <a:p>
+            <a:pPr indent="0" lvl="0" marL="0" rtl="0" algn="l">
+              <a:spcBef>
+                <a:spcPts val="0"/>
+              </a:spcBef>
+              <a:spcAft>
+                <a:spcPts val="0"/>
+              </a:spcAft>
+              <a:buNone/>
+            </a:pPr>
+            <a:r>
+              <a:t/>
+            </a:r>
+            <a:endParaRPr/>
+          </a:p>
+        </p:txBody>
+      </p:sp>
+    </p:spTree>
+  </p:cSld>
+  <p:clrMapOvr>
+    <a:masterClrMapping/>
+  </p:clrMapOvr>
+</p:notes>
+</file>
+
+<file path=ppt/notesSlides/notesSlide9.xml><?xml version="1.0" encoding="utf-8"?>
+<p:notes xmlns:a="http://schemas.openxmlformats.org/drawingml/2006/main" xmlns:r="http://schemas.openxmlformats.org/officeDocument/2006/relationships" xmlns:mc="http://schemas.openxmlformats.org/markup-compatibility/2006" xmlns:mv="urn:schemas-microsoft-com:mac:vml" xmlns:p="http://schemas.openxmlformats.org/presentationml/2006/main" xmlns:c="http://schemas.openxmlformats.org/drawingml/2006/chart" xmlns:dgm="http://schemas.openxmlformats.org/drawingml/2006/diagram" xmlns:o="urn:schemas-microsoft-com:office:office" xmlns:v="urn:schemas-microsoft-com:vml" xmlns:pvml="urn:schemas-microsoft-com:office:powerpoint" xmlns:com="http://schemas.openxmlformats.org/drawingml/2006/compatibility" xmlns:p14="http://schemas.microsoft.com/office/powerpoint/2010/main" xmlns:p15="http://schemas.microsoft.com/office/powerpoint/2012/main" xmlns:ahyp="http://schemas.microsoft.com/office/drawing/2018/hyperlinkcolor" showMasterPhAnim="0" showMasterSp="0">
+  <p:cSld>
+    <p:spTree>
+      <p:nvGrpSpPr>
+        <p:cNvPr id="197" name="Shape 197"/>
+        <p:cNvGrpSpPr/>
+        <p:nvPr/>
+      </p:nvGrpSpPr>
+      <p:grpSpPr>
+        <a:xfrm>
+          <a:off x="0" y="0"/>
+          <a:ext cx="0" cy="0"/>
+          <a:chOff x="0" y="0"/>
+          <a:chExt cx="0" cy="0"/>
+        </a:xfrm>
+      </p:grpSpPr>
+      <p:sp>
+        <p:nvSpPr>
+          <p:cNvPr id="198" name="Google Shape;198;g13ab5a0d505_1_0:notes"/>
+          <p:cNvSpPr/>
+          <p:nvPr>
+            <p:ph idx="2" type="sldImg"/>
+          </p:nvPr>
+        </p:nvSpPr>
+        <p:spPr>
+          <a:xfrm>
+            <a:off x="381300" y="685800"/>
+            <a:ext cx="6096000" cy="3429000"/>
+          </a:xfrm>
+          <a:custGeom>
+            <a:rect b="b" l="l" r="r" t="t"/>
+            <a:pathLst>
+              <a:path extrusionOk="0" h="120000" w="120000">
+                <a:moveTo>
+                  <a:pt x="0" y="0"/>
+                </a:moveTo>
+                <a:lnTo>
+                  <a:pt x="120000" y="0"/>
+                </a:lnTo>
+                <a:lnTo>
+                  <a:pt x="120000" y="120000"/>
+                </a:lnTo>
+                <a:lnTo>
+                  <a:pt x="0" y="120000"/>
+                </a:lnTo>
+                <a:close/>
+              </a:path>
+            </a:pathLst>
+          </a:custGeom>
+        </p:spPr>
+      </p:sp>
+      <p:sp>
+        <p:nvSpPr>
+          <p:cNvPr id="199" name="Google Shape;199;g13ab5a0d505_1_0:notes"/>
           <p:cNvSpPr txBox="1"/>
           <p:nvPr>
             <p:ph idx="1" type="body"/>
@@ -10208,7 +10308,7 @@
             </a:pPr>
             <a:r>
               <a:rPr b="1" lang="pt-PT" sz="1600"/>
-              <a:t>Front-end</a:t>
+              <a:t>Back-end</a:t>
             </a:r>
             <a:endParaRPr b="1" sz="1600"/>
           </a:p>
@@ -10240,7 +10340,7 @@
             </a:pPr>
             <a:r>
               <a:rPr b="1" lang="pt-PT" sz="1600"/>
-              <a:t>Back-end</a:t>
+              <a:t>Front-end</a:t>
             </a:r>
             <a:endParaRPr b="1" sz="1600"/>
           </a:p>
@@ -10383,7 +10483,7 @@
         </p:blipFill>
         <p:spPr>
           <a:xfrm>
-            <a:off x="5671675" y="654425"/>
+            <a:off x="4571000" y="685975"/>
             <a:ext cx="1496725" cy="769875"/>
           </a:xfrm>
           <a:prstGeom prst="rect">
@@ -10585,8 +10685,36 @@
         </p:blipFill>
         <p:spPr>
           <a:xfrm>
-            <a:off x="7697700" y="754925"/>
+            <a:off x="6524150" y="754912"/>
             <a:ext cx="632000" cy="632000"/>
+          </a:xfrm>
+          <a:prstGeom prst="rect">
+            <a:avLst/>
+          </a:prstGeom>
+          <a:noFill/>
+          <a:ln>
+            <a:noFill/>
+          </a:ln>
+        </p:spPr>
+      </p:pic>
+      <p:pic>
+        <p:nvPicPr>
+          <p:cNvPr id="160" name="Google Shape;160;p16"/>
+          <p:cNvPicPr preferRelativeResize="0"/>
+          <p:nvPr/>
+        </p:nvPicPr>
+        <p:blipFill>
+          <a:blip r:embed="rId7">
+            <a:alphaModFix/>
+          </a:blip>
+          <a:stretch>
+            <a:fillRect/>
+          </a:stretch>
+        </p:blipFill>
+        <p:spPr>
+          <a:xfrm>
+            <a:off x="7719600" y="716301"/>
+            <a:ext cx="709200" cy="709200"/>
           </a:xfrm>
           <a:prstGeom prst="rect">
             <a:avLst/>
@@ -10610,7 +10738,7 @@
   <p:cSld>
     <p:spTree>
       <p:nvGrpSpPr>
-        <p:cNvPr id="163" name="Shape 163"/>
+        <p:cNvPr id="164" name="Shape 164"/>
         <p:cNvGrpSpPr/>
         <p:nvPr/>
       </p:nvGrpSpPr>
@@ -10624,7 +10752,7 @@
       </p:grpSpPr>
       <p:sp>
         <p:nvSpPr>
-          <p:cNvPr id="164" name="Google Shape;164;p17"/>
+          <p:cNvPr id="165" name="Google Shape;165;p17"/>
           <p:cNvSpPr txBox="1"/>
           <p:nvPr>
             <p:ph type="title"/>
@@ -10664,7 +10792,7 @@
       </p:sp>
       <p:pic>
         <p:nvPicPr>
-          <p:cNvPr id="165" name="Google Shape;165;p17"/>
+          <p:cNvPr id="166" name="Google Shape;166;p17"/>
           <p:cNvPicPr preferRelativeResize="0"/>
           <p:nvPr/>
         </p:nvPicPr>
@@ -10692,7 +10820,7 @@
       </p:pic>
       <p:pic>
         <p:nvPicPr>
-          <p:cNvPr id="166" name="Google Shape;166;p17"/>
+          <p:cNvPr id="167" name="Google Shape;167;p17"/>
           <p:cNvPicPr preferRelativeResize="0"/>
           <p:nvPr/>
         </p:nvPicPr>
@@ -10708,34 +10836,6 @@
           <a:xfrm>
             <a:off x="560600" y="2457875"/>
             <a:ext cx="1273525" cy="1273525"/>
-          </a:xfrm>
-          <a:prstGeom prst="rect">
-            <a:avLst/>
-          </a:prstGeom>
-          <a:noFill/>
-          <a:ln>
-            <a:noFill/>
-          </a:ln>
-        </p:spPr>
-      </p:pic>
-      <p:pic>
-        <p:nvPicPr>
-          <p:cNvPr id="167" name="Google Shape;167;p17"/>
-          <p:cNvPicPr preferRelativeResize="0"/>
-          <p:nvPr/>
-        </p:nvPicPr>
-        <p:blipFill>
-          <a:blip r:embed="rId5">
-            <a:alphaModFix/>
-          </a:blip>
-          <a:stretch>
-            <a:fillRect/>
-          </a:stretch>
-        </p:blipFill>
-        <p:spPr>
-          <a:xfrm>
-            <a:off x="2005075" y="2514325"/>
-            <a:ext cx="1273524" cy="1273524"/>
           </a:xfrm>
           <a:prstGeom prst="rect">
             <a:avLst/>
@@ -10762,7 +10862,7 @@
         </p:blipFill>
         <p:spPr>
           <a:xfrm>
-            <a:off x="5434075" y="2514325"/>
+            <a:off x="2005075" y="2514325"/>
             <a:ext cx="1273524" cy="1273524"/>
           </a:xfrm>
           <a:prstGeom prst="rect">
@@ -10777,6 +10877,34 @@
       <p:pic>
         <p:nvPicPr>
           <p:cNvPr id="169" name="Google Shape;169;p17"/>
+          <p:cNvPicPr preferRelativeResize="0"/>
+          <p:nvPr/>
+        </p:nvPicPr>
+        <p:blipFill>
+          <a:blip r:embed="rId5">
+            <a:alphaModFix/>
+          </a:blip>
+          <a:stretch>
+            <a:fillRect/>
+          </a:stretch>
+        </p:blipFill>
+        <p:spPr>
+          <a:xfrm>
+            <a:off x="5434075" y="2514325"/>
+            <a:ext cx="1273524" cy="1273524"/>
+          </a:xfrm>
+          <a:prstGeom prst="rect">
+            <a:avLst/>
+          </a:prstGeom>
+          <a:noFill/>
+          <a:ln>
+            <a:noFill/>
+          </a:ln>
+        </p:spPr>
+      </p:pic>
+      <p:pic>
+        <p:nvPicPr>
+          <p:cNvPr id="170" name="Google Shape;170;p17"/>
           <p:cNvPicPr preferRelativeResize="0"/>
           <p:nvPr/>
         </p:nvPicPr>
@@ -10804,7 +10932,7 @@
       </p:pic>
       <p:pic>
         <p:nvPicPr>
-          <p:cNvPr id="170" name="Google Shape;170;p17"/>
+          <p:cNvPr id="171" name="Google Shape;171;p17"/>
           <p:cNvPicPr preferRelativeResize="0"/>
           <p:nvPr/>
         </p:nvPicPr>
@@ -10843,7 +10971,7 @@
   <p:cSld>
     <p:spTree>
       <p:nvGrpSpPr>
-        <p:cNvPr id="174" name="Shape 174"/>
+        <p:cNvPr id="175" name="Shape 175"/>
         <p:cNvGrpSpPr/>
         <p:nvPr/>
       </p:nvGrpSpPr>
@@ -10857,7 +10985,7 @@
       </p:grpSpPr>
       <p:sp>
         <p:nvSpPr>
-          <p:cNvPr id="175" name="Google Shape;175;p18"/>
+          <p:cNvPr id="176" name="Google Shape;176;p18"/>
           <p:cNvSpPr txBox="1"/>
           <p:nvPr>
             <p:ph type="title"/>
@@ -10897,7 +11025,7 @@
       </p:sp>
       <p:pic>
         <p:nvPicPr>
-          <p:cNvPr id="176" name="Google Shape;176;p18"/>
+          <p:cNvPr id="177" name="Google Shape;177;p18"/>
           <p:cNvPicPr preferRelativeResize="0"/>
           <p:nvPr/>
         </p:nvPicPr>
@@ -10925,7 +11053,7 @@
       </p:pic>
       <p:pic>
         <p:nvPicPr>
-          <p:cNvPr id="177" name="Google Shape;177;p18"/>
+          <p:cNvPr id="178" name="Google Shape;178;p18"/>
           <p:cNvPicPr preferRelativeResize="0"/>
           <p:nvPr/>
         </p:nvPicPr>
@@ -10953,7 +11081,7 @@
       </p:pic>
       <p:pic>
         <p:nvPicPr>
-          <p:cNvPr id="178" name="Google Shape;178;p18"/>
+          <p:cNvPr id="179" name="Google Shape;179;p18"/>
           <p:cNvPicPr preferRelativeResize="0"/>
           <p:nvPr/>
         </p:nvPicPr>
@@ -10981,7 +11109,7 @@
       </p:pic>
       <p:pic>
         <p:nvPicPr>
-          <p:cNvPr id="179" name="Google Shape;179;p18"/>
+          <p:cNvPr id="180" name="Google Shape;180;p18"/>
           <p:cNvPicPr preferRelativeResize="0"/>
           <p:nvPr/>
         </p:nvPicPr>
@@ -11009,7 +11137,7 @@
       </p:pic>
       <p:pic>
         <p:nvPicPr>
-          <p:cNvPr id="180" name="Google Shape;180;p18"/>
+          <p:cNvPr id="181" name="Google Shape;181;p18"/>
           <p:cNvPicPr preferRelativeResize="0"/>
           <p:nvPr/>
         </p:nvPicPr>
@@ -11037,7 +11165,7 @@
       </p:pic>
       <p:pic>
         <p:nvPicPr>
-          <p:cNvPr id="181" name="Google Shape;181;p18"/>
+          <p:cNvPr id="182" name="Google Shape;182;p18"/>
           <p:cNvPicPr preferRelativeResize="0"/>
           <p:nvPr/>
         </p:nvPicPr>
@@ -11076,7 +11204,7 @@
   <p:cSld>
     <p:spTree>
       <p:nvGrpSpPr>
-        <p:cNvPr id="185" name="Shape 185"/>
+        <p:cNvPr id="186" name="Shape 186"/>
         <p:cNvGrpSpPr/>
         <p:nvPr/>
       </p:nvGrpSpPr>
@@ -11090,7 +11218,7 @@
       </p:grpSpPr>
       <p:sp>
         <p:nvSpPr>
-          <p:cNvPr id="186" name="Google Shape;186;p19"/>
+          <p:cNvPr id="187" name="Google Shape;187;p19"/>
           <p:cNvSpPr txBox="1"/>
           <p:nvPr>
             <p:ph type="title"/>
@@ -11130,7 +11258,7 @@
       </p:sp>
       <p:sp>
         <p:nvSpPr>
-          <p:cNvPr id="187" name="Google Shape;187;p19"/>
+          <p:cNvPr id="188" name="Google Shape;188;p19"/>
           <p:cNvSpPr txBox="1"/>
           <p:nvPr>
             <p:ph idx="1" type="body"/>
@@ -11167,6 +11295,34 @@
           </a:p>
         </p:txBody>
       </p:sp>
+      <p:pic>
+        <p:nvPicPr>
+          <p:cNvPr id="189" name="Google Shape;189;p19"/>
+          <p:cNvPicPr preferRelativeResize="0"/>
+          <p:nvPr/>
+        </p:nvPicPr>
+        <p:blipFill>
+          <a:blip r:embed="rId3">
+            <a:alphaModFix/>
+          </a:blip>
+          <a:stretch>
+            <a:fillRect/>
+          </a:stretch>
+        </p:blipFill>
+        <p:spPr>
+          <a:xfrm>
+            <a:off x="3340075" y="1883750"/>
+            <a:ext cx="2554975" cy="2554975"/>
+          </a:xfrm>
+          <a:prstGeom prst="rect">
+            <a:avLst/>
+          </a:prstGeom>
+          <a:noFill/>
+          <a:ln>
+            <a:noFill/>
+          </a:ln>
+        </p:spPr>
+      </p:pic>
     </p:spTree>
   </p:cSld>
   <p:clrMapOvr>
@@ -11180,7 +11336,7 @@
   <p:cSld>
     <p:spTree>
       <p:nvGrpSpPr>
-        <p:cNvPr id="191" name="Shape 191"/>
+        <p:cNvPr id="193" name="Shape 193"/>
         <p:cNvGrpSpPr/>
         <p:nvPr/>
       </p:nvGrpSpPr>
@@ -11194,7 +11350,7 @@
       </p:grpSpPr>
       <p:sp>
         <p:nvSpPr>
-          <p:cNvPr id="192" name="Google Shape;192;p20"/>
+          <p:cNvPr id="194" name="Google Shape;194;p20"/>
           <p:cNvSpPr txBox="1"/>
           <p:nvPr>
             <p:ph type="title"/>
@@ -11234,7 +11390,7 @@
       </p:sp>
       <p:sp>
         <p:nvSpPr>
-          <p:cNvPr id="193" name="Google Shape;193;p20"/>
+          <p:cNvPr id="195" name="Google Shape;195;p20"/>
           <p:cNvSpPr txBox="1"/>
           <p:nvPr>
             <p:ph idx="1" type="body"/>
@@ -11251,13 +11407,146 @@
         </p:spPr>
         <p:txBody>
           <a:bodyPr anchorCtr="0" anchor="t" bIns="91425" lIns="91425" spcFirstLastPara="1" rIns="91425" wrap="square" tIns="91425">
-            <a:normAutofit/>
+            <a:normAutofit fontScale="25000" lnSpcReduction="20000"/>
           </a:bodyPr>
           <a:lstStyle/>
           <a:p>
-            <a:pPr indent="0" lvl="0" marL="0" rtl="0" algn="l">
-              <a:spcBef>
-                <a:spcPts val="0"/>
+            <a:pPr indent="-304800" lvl="0" marL="457200" rtl="0" algn="l">
+              <a:spcBef>
+                <a:spcPts val="0"/>
+              </a:spcBef>
+              <a:spcAft>
+                <a:spcPts val="0"/>
+              </a:spcAft>
+              <a:buSzPct val="100000"/>
+              <a:buChar char="●"/>
+            </a:pPr>
+            <a:r>
+              <a:rPr lang="pt-PT" sz="4800"/>
+              <a:t>O </a:t>
+            </a:r>
+            <a:r>
+              <a:rPr lang="pt-PT" sz="4800"/>
+              <a:t> desafio foi complexo e </a:t>
+            </a:r>
+            <a:r>
+              <a:rPr lang="pt-PT" sz="4800"/>
+              <a:t>requereu a aplicação de vários conhecimentos obtidos ao longo do curso.</a:t>
+            </a:r>
+            <a:endParaRPr sz="4800"/>
+          </a:p>
+          <a:p>
+            <a:pPr indent="0" lvl="0" marL="457200" rtl="0" algn="l">
+              <a:spcBef>
+                <a:spcPts val="1200"/>
+              </a:spcBef>
+              <a:spcAft>
+                <a:spcPts val="0"/>
+              </a:spcAft>
+              <a:buNone/>
+            </a:pPr>
+            <a:r>
+              <a:t/>
+            </a:r>
+            <a:endParaRPr sz="4800"/>
+          </a:p>
+          <a:p>
+            <a:pPr indent="-304800" lvl="0" marL="457200" rtl="0" algn="l">
+              <a:spcBef>
+                <a:spcPts val="1200"/>
+              </a:spcBef>
+              <a:spcAft>
+                <a:spcPts val="0"/>
+              </a:spcAft>
+              <a:buSzPct val="100000"/>
+              <a:buChar char="●"/>
+            </a:pPr>
+            <a:r>
+              <a:rPr lang="pt-PT" sz="4800"/>
+              <a:t>Foram adquiridas novas competências</a:t>
+            </a:r>
+            <a:endParaRPr sz="4800"/>
+          </a:p>
+          <a:p>
+            <a:pPr indent="0" lvl="0" marL="457200" rtl="0" algn="l">
+              <a:spcBef>
+                <a:spcPts val="1200"/>
+              </a:spcBef>
+              <a:spcAft>
+                <a:spcPts val="0"/>
+              </a:spcAft>
+              <a:buNone/>
+            </a:pPr>
+            <a:r>
+              <a:t/>
+            </a:r>
+            <a:endParaRPr sz="4800"/>
+          </a:p>
+          <a:p>
+            <a:pPr indent="-304800" lvl="0" marL="457200" rtl="0" algn="l">
+              <a:spcBef>
+                <a:spcPts val="1200"/>
+              </a:spcBef>
+              <a:spcAft>
+                <a:spcPts val="0"/>
+              </a:spcAft>
+              <a:buSzPct val="100000"/>
+              <a:buChar char="●"/>
+            </a:pPr>
+            <a:r>
+              <a:rPr lang="pt-PT" sz="4800"/>
+              <a:t>Os objetivos propostos foram atingidos. </a:t>
+            </a:r>
+            <a:endParaRPr sz="4800"/>
+          </a:p>
+          <a:p>
+            <a:pPr indent="0" lvl="0" marL="457200" rtl="0" algn="l">
+              <a:spcBef>
+                <a:spcPts val="1200"/>
+              </a:spcBef>
+              <a:spcAft>
+                <a:spcPts val="0"/>
+              </a:spcAft>
+              <a:buNone/>
+            </a:pPr>
+            <a:r>
+              <a:t/>
+            </a:r>
+            <a:endParaRPr sz="4800"/>
+          </a:p>
+          <a:p>
+            <a:pPr indent="-304800" lvl="0" marL="457200" rtl="0" algn="l">
+              <a:spcBef>
+                <a:spcPts val="1200"/>
+              </a:spcBef>
+              <a:spcAft>
+                <a:spcPts val="0"/>
+              </a:spcAft>
+              <a:buSzPct val="100000"/>
+              <a:buChar char="●"/>
+            </a:pPr>
+            <a:r>
+              <a:rPr lang="pt-PT" sz="4800"/>
+              <a:t>A </a:t>
+            </a:r>
+            <a:r>
+              <a:rPr lang="pt-PT" sz="4800"/>
+              <a:t>experiência</a:t>
+            </a:r>
+            <a:r>
+              <a:rPr lang="pt-PT" sz="4800"/>
+              <a:t> de utilização da plataforma ainda pode ser melhorada</a:t>
+            </a:r>
+            <a:r>
+              <a:rPr lang="pt-PT" sz="4800"/>
+              <a:t>.</a:t>
+            </a:r>
+            <a:endParaRPr sz="4800"/>
+          </a:p>
+          <a:p>
+            <a:pPr indent="0" lvl="0" marL="457200" rtl="0" algn="l">
+              <a:spcBef>
+                <a:spcPts val="1200"/>
               </a:spcBef>
               <a:spcAft>
                 <a:spcPts val="1200"/>
@@ -11268,6 +11557,321 @@
               <a:t/>
             </a:r>
             <a:endParaRPr/>
+          </a:p>
+        </p:txBody>
+      </p:sp>
+      <p:pic>
+        <p:nvPicPr>
+          <p:cNvPr id="196" name="Google Shape;196;p20"/>
+          <p:cNvPicPr preferRelativeResize="0"/>
+          <p:nvPr/>
+        </p:nvPicPr>
+        <p:blipFill>
+          <a:blip r:embed="rId3">
+            <a:alphaModFix/>
+          </a:blip>
+          <a:stretch>
+            <a:fillRect/>
+          </a:stretch>
+        </p:blipFill>
+        <p:spPr>
+          <a:xfrm>
+            <a:off x="6634275" y="2659175"/>
+            <a:ext cx="1231226" cy="1231226"/>
+          </a:xfrm>
+          <a:prstGeom prst="rect">
+            <a:avLst/>
+          </a:prstGeom>
+          <a:noFill/>
+          <a:ln>
+            <a:noFill/>
+          </a:ln>
+        </p:spPr>
+      </p:pic>
+    </p:spTree>
+  </p:cSld>
+  <p:clrMapOvr>
+    <a:masterClrMapping/>
+  </p:clrMapOvr>
+</p:sld>
+</file>
+
+<file path=ppt/slides/slide9.xml><?xml version="1.0" encoding="utf-8"?>
+<p:sld xmlns:a="http://schemas.openxmlformats.org/drawingml/2006/main" xmlns:r="http://schemas.openxmlformats.org/officeDocument/2006/relationships" xmlns:mc="http://schemas.openxmlformats.org/markup-compatibility/2006" xmlns:mv="urn:schemas-microsoft-com:mac:vml" xmlns:p="http://schemas.openxmlformats.org/presentationml/2006/main" xmlns:c="http://schemas.openxmlformats.org/drawingml/2006/chart" xmlns:dgm="http://schemas.openxmlformats.org/drawingml/2006/diagram" xmlns:o="urn:schemas-microsoft-com:office:office" xmlns:v="urn:schemas-microsoft-com:vml" xmlns:pvml="urn:schemas-microsoft-com:office:powerpoint" xmlns:com="http://schemas.openxmlformats.org/drawingml/2006/compatibility" xmlns:p14="http://schemas.microsoft.com/office/powerpoint/2010/main" xmlns:p15="http://schemas.microsoft.com/office/powerpoint/2012/main" xmlns:ahyp="http://schemas.microsoft.com/office/drawing/2018/hyperlinkcolor">
+  <p:cSld>
+    <p:spTree>
+      <p:nvGrpSpPr>
+        <p:cNvPr id="200" name="Shape 200"/>
+        <p:cNvGrpSpPr/>
+        <p:nvPr/>
+      </p:nvGrpSpPr>
+      <p:grpSpPr>
+        <a:xfrm>
+          <a:off x="0" y="0"/>
+          <a:ext cx="0" cy="0"/>
+          <a:chOff x="0" y="0"/>
+          <a:chExt cx="0" cy="0"/>
+        </a:xfrm>
+      </p:grpSpPr>
+      <p:sp>
+        <p:nvSpPr>
+          <p:cNvPr id="201" name="Google Shape;201;p21"/>
+          <p:cNvSpPr txBox="1"/>
+          <p:nvPr>
+            <p:ph type="ctrTitle"/>
+          </p:nvPr>
+        </p:nvSpPr>
+        <p:spPr>
+          <a:xfrm>
+            <a:off x="1858703" y="1137033"/>
+            <a:ext cx="5361300" cy="1448100"/>
+          </a:xfrm>
+          <a:prstGeom prst="rect">
+            <a:avLst/>
+          </a:prstGeom>
+        </p:spPr>
+        <p:txBody>
+          <a:bodyPr anchorCtr="0" anchor="ctr" bIns="91425" lIns="91425" spcFirstLastPara="1" rIns="91425" wrap="square" tIns="91425">
+            <a:normAutofit/>
+          </a:bodyPr>
+          <a:lstStyle/>
+          <a:p>
+            <a:pPr indent="0" lvl="0" marL="0" rtl="0" algn="ctr">
+              <a:spcBef>
+                <a:spcPts val="0"/>
+              </a:spcBef>
+              <a:spcAft>
+                <a:spcPts val="0"/>
+              </a:spcAft>
+              <a:buNone/>
+            </a:pPr>
+            <a:r>
+              <a:rPr lang="pt-PT"/>
+              <a:t>ComputationalMind</a:t>
+            </a:r>
+            <a:endParaRPr/>
+          </a:p>
+        </p:txBody>
+      </p:sp>
+      <p:sp>
+        <p:nvSpPr>
+          <p:cNvPr id="202" name="Google Shape;202;p21"/>
+          <p:cNvSpPr txBox="1"/>
+          <p:nvPr>
+            <p:ph idx="1" type="subTitle"/>
+          </p:nvPr>
+        </p:nvSpPr>
+        <p:spPr>
+          <a:xfrm>
+            <a:off x="1858700" y="2498758"/>
+            <a:ext cx="5361300" cy="522600"/>
+          </a:xfrm>
+          <a:prstGeom prst="rect">
+            <a:avLst/>
+          </a:prstGeom>
+        </p:spPr>
+        <p:txBody>
+          <a:bodyPr anchorCtr="0" anchor="t" bIns="91425" lIns="91425" spcFirstLastPara="1" rIns="91425" wrap="square" tIns="91425">
+            <a:normAutofit fontScale="92500" lnSpcReduction="20000"/>
+          </a:bodyPr>
+          <a:lstStyle/>
+          <a:p>
+            <a:pPr indent="0" lvl="0" marL="0" rtl="0" algn="ctr">
+              <a:spcBef>
+                <a:spcPts val="0"/>
+              </a:spcBef>
+              <a:spcAft>
+                <a:spcPts val="0"/>
+              </a:spcAft>
+              <a:buNone/>
+            </a:pPr>
+            <a:r>
+              <a:rPr lang="pt-PT"/>
+              <a:t>Projeto proposto pelos professores: </a:t>
+            </a:r>
+            <a:endParaRPr/>
+          </a:p>
+          <a:p>
+            <a:pPr indent="0" lvl="0" marL="0" rtl="0" algn="ctr">
+              <a:spcBef>
+                <a:spcPts val="0"/>
+              </a:spcBef>
+              <a:spcAft>
+                <a:spcPts val="0"/>
+              </a:spcAft>
+              <a:buNone/>
+            </a:pPr>
+            <a:r>
+              <a:rPr lang="pt-PT" sz="1400">
+                <a:solidFill>
+                  <a:srgbClr val="000000"/>
+                </a:solidFill>
+              </a:rPr>
+              <a:t>Pedro Manuel Rangel Santos Henriques e Cristiana Araújo</a:t>
+            </a:r>
+            <a:endParaRPr/>
+          </a:p>
+        </p:txBody>
+      </p:sp>
+      <p:pic>
+        <p:nvPicPr>
+          <p:cNvPr id="203" name="Google Shape;203;p21"/>
+          <p:cNvPicPr preferRelativeResize="0"/>
+          <p:nvPr/>
+        </p:nvPicPr>
+        <p:blipFill>
+          <a:blip r:embed="rId3">
+            <a:alphaModFix/>
+          </a:blip>
+          <a:stretch>
+            <a:fillRect/>
+          </a:stretch>
+        </p:blipFill>
+        <p:spPr>
+          <a:xfrm>
+            <a:off x="6245675" y="3992149"/>
+            <a:ext cx="698975" cy="698975"/>
+          </a:xfrm>
+          <a:prstGeom prst="rect">
+            <a:avLst/>
+          </a:prstGeom>
+          <a:noFill/>
+          <a:ln>
+            <a:noFill/>
+          </a:ln>
+        </p:spPr>
+      </p:pic>
+      <p:pic>
+        <p:nvPicPr>
+          <p:cNvPr id="204" name="Google Shape;204;p21"/>
+          <p:cNvPicPr preferRelativeResize="0"/>
+          <p:nvPr/>
+        </p:nvPicPr>
+        <p:blipFill>
+          <a:blip r:embed="rId4">
+            <a:alphaModFix/>
+          </a:blip>
+          <a:stretch>
+            <a:fillRect/>
+          </a:stretch>
+        </p:blipFill>
+        <p:spPr>
+          <a:xfrm>
+            <a:off x="7142312" y="3996770"/>
+            <a:ext cx="698975" cy="689704"/>
+          </a:xfrm>
+          <a:prstGeom prst="rect">
+            <a:avLst/>
+          </a:prstGeom>
+          <a:noFill/>
+          <a:ln>
+            <a:noFill/>
+          </a:ln>
+        </p:spPr>
+      </p:pic>
+      <p:pic>
+        <p:nvPicPr>
+          <p:cNvPr id="205" name="Google Shape;205;p21"/>
+          <p:cNvPicPr preferRelativeResize="0"/>
+          <p:nvPr/>
+        </p:nvPicPr>
+        <p:blipFill>
+          <a:blip r:embed="rId5">
+            <a:alphaModFix/>
+          </a:blip>
+          <a:stretch>
+            <a:fillRect/>
+          </a:stretch>
+        </p:blipFill>
+        <p:spPr>
+          <a:xfrm>
+            <a:off x="8038950" y="3996775"/>
+            <a:ext cx="689700" cy="689700"/>
+          </a:xfrm>
+          <a:prstGeom prst="rect">
+            <a:avLst/>
+          </a:prstGeom>
+          <a:noFill/>
+          <a:ln>
+            <a:noFill/>
+          </a:ln>
+        </p:spPr>
+      </p:pic>
+      <p:sp>
+        <p:nvSpPr>
+          <p:cNvPr id="206" name="Google Shape;206;p21"/>
+          <p:cNvSpPr txBox="1"/>
+          <p:nvPr/>
+        </p:nvSpPr>
+        <p:spPr>
+          <a:xfrm>
+            <a:off x="2846300" y="4084925"/>
+            <a:ext cx="3361800" cy="615600"/>
+          </a:xfrm>
+          <a:prstGeom prst="rect">
+            <a:avLst/>
+          </a:prstGeom>
+          <a:noFill/>
+          <a:ln>
+            <a:noFill/>
+          </a:ln>
+        </p:spPr>
+        <p:txBody>
+          <a:bodyPr anchorCtr="0" anchor="t" bIns="91425" lIns="91425" spcFirstLastPara="1" rIns="91425" wrap="square" tIns="91425">
+            <a:spAutoFit/>
+          </a:bodyPr>
+          <a:lstStyle/>
+          <a:p>
+            <a:pPr indent="0" lvl="0" marL="0" rtl="0" algn="l">
+              <a:spcBef>
+                <a:spcPts val="0"/>
+              </a:spcBef>
+              <a:spcAft>
+                <a:spcPts val="0"/>
+              </a:spcAft>
+              <a:buNone/>
+            </a:pPr>
+            <a:r>
+              <a:rPr lang="pt-PT">
+                <a:latin typeface="Calibri"/>
+                <a:ea typeface="Calibri"/>
+                <a:cs typeface="Calibri"/>
+                <a:sym typeface="Calibri"/>
+              </a:rPr>
+              <a:t>Inês Presa 90355 		Ivo Lima 90214</a:t>
+            </a:r>
+            <a:endParaRPr>
+              <a:latin typeface="Calibri"/>
+              <a:ea typeface="Calibri"/>
+              <a:cs typeface="Calibri"/>
+              <a:sym typeface="Calibri"/>
+            </a:endParaRPr>
+          </a:p>
+          <a:p>
+            <a:pPr indent="0" lvl="0" marL="0" rtl="0" algn="l">
+              <a:spcBef>
+                <a:spcPts val="0"/>
+              </a:spcBef>
+              <a:spcAft>
+                <a:spcPts val="0"/>
+              </a:spcAft>
+              <a:buNone/>
+            </a:pPr>
+            <a:r>
+              <a:rPr lang="pt-PT">
+                <a:latin typeface="Calibri"/>
+                <a:ea typeface="Calibri"/>
+                <a:cs typeface="Calibri"/>
+                <a:sym typeface="Calibri"/>
+              </a:rPr>
+              <a:t>Tiago Carriço 91695	Tiago Leite 91693</a:t>
+            </a:r>
+            <a:endParaRPr>
+              <a:latin typeface="Calibri"/>
+              <a:ea typeface="Calibri"/>
+              <a:cs typeface="Calibri"/>
+              <a:sym typeface="Calibri"/>
+            </a:endParaRPr>
           </a:p>
         </p:txBody>
       </p:sp>
